--- a/Session1/Session1.pptx
+++ b/Session1/Session1.pptx
@@ -6,18 +6,16 @@
   </p:sldMasterIdLst>
   <p:sldIdLst>
     <p:sldId id="256" r:id="rId2"/>
-    <p:sldId id="257" r:id="rId3"/>
-    <p:sldId id="258" r:id="rId4"/>
-    <p:sldId id="259" r:id="rId5"/>
-    <p:sldId id="260" r:id="rId6"/>
-    <p:sldId id="261" r:id="rId7"/>
-    <p:sldId id="262" r:id="rId8"/>
-    <p:sldId id="263" r:id="rId9"/>
-    <p:sldId id="267" r:id="rId10"/>
-    <p:sldId id="266" r:id="rId11"/>
-    <p:sldId id="268" r:id="rId12"/>
-    <p:sldId id="264" r:id="rId13"/>
-    <p:sldId id="265" r:id="rId14"/>
+    <p:sldId id="258" r:id="rId3"/>
+    <p:sldId id="260" r:id="rId4"/>
+    <p:sldId id="261" r:id="rId5"/>
+    <p:sldId id="262" r:id="rId6"/>
+    <p:sldId id="263" r:id="rId7"/>
+    <p:sldId id="267" r:id="rId8"/>
+    <p:sldId id="266" r:id="rId9"/>
+    <p:sldId id="268" r:id="rId10"/>
+    <p:sldId id="264" r:id="rId11"/>
+    <p:sldId id="265" r:id="rId12"/>
   </p:sldIdLst>
   <p:sldSz cx="12192000" cy="6858000"/>
   <p:notesSz cx="6858000" cy="9144000"/>
@@ -531,7 +529,7 @@
           <a:p>
             <a:fld id="{83284890-85D2-4D7B-8EF5-15A9C1DB8F42}" type="datetimeFigureOut">
               <a:rPr lang="en-US" dirty="0"/>
-              <a:t>9/18/2017</a:t>
+              <a:t>9/20/2017</a:t>
             </a:fld>
             <a:endParaRPr lang="en-US" dirty="0"/>
           </a:p>
@@ -706,7 +704,7 @@
           <a:p>
             <a:fld id="{87157CC2-0FC8-4686-B024-99790E0F5162}" type="datetimeFigureOut">
               <a:rPr lang="en-US" dirty="0"/>
-              <a:t>9/18/2017</a:t>
+              <a:t>9/20/2017</a:t>
             </a:fld>
             <a:endParaRPr lang="en-US" dirty="0"/>
           </a:p>
@@ -881,7 +879,7 @@
           <a:p>
             <a:fld id="{F6764DA5-CD3D-4590-A511-FCD3BC7A793E}" type="datetimeFigureOut">
               <a:rPr lang="en-US" dirty="0"/>
-              <a:t>9/18/2017</a:t>
+              <a:t>9/20/2017</a:t>
             </a:fld>
             <a:endParaRPr lang="en-US" dirty="0"/>
           </a:p>
@@ -1046,7 +1044,7 @@
           <a:p>
             <a:fld id="{82F5661D-6934-4B32-B92C-470368BF1EC6}" type="datetimeFigureOut">
               <a:rPr lang="en-US" dirty="0"/>
-              <a:t>9/18/2017</a:t>
+              <a:t>9/20/2017</a:t>
             </a:fld>
             <a:endParaRPr lang="en-US" dirty="0"/>
           </a:p>
@@ -1354,7 +1352,7 @@
           <a:p>
             <a:fld id="{C6F822A4-8DA6-4447-9B1F-C5DB58435268}" type="datetimeFigureOut">
               <a:rPr lang="en-US" dirty="0"/>
-              <a:t>9/18/2017</a:t>
+              <a:t>9/20/2017</a:t>
             </a:fld>
             <a:endParaRPr lang="en-US" dirty="0"/>
           </a:p>
@@ -1736,7 +1734,7 @@
           <a:p>
             <a:fld id="{E548D31E-DCDA-41A7-9C67-C4B11B94D21D}" type="datetimeFigureOut">
               <a:rPr lang="en-US" dirty="0"/>
-              <a:t>9/18/2017</a:t>
+              <a:t>9/20/2017</a:t>
             </a:fld>
             <a:endParaRPr lang="en-US" dirty="0"/>
           </a:p>
@@ -2165,7 +2163,7 @@
           <a:p>
             <a:fld id="{9B3762C0-B258-48F1-ADE6-176B4174CCDD}" type="datetimeFigureOut">
               <a:rPr lang="en-US" dirty="0"/>
-              <a:t>9/18/2017</a:t>
+              <a:t>9/20/2017</a:t>
             </a:fld>
             <a:endParaRPr lang="en-US" dirty="0"/>
           </a:p>
@@ -2278,7 +2276,7 @@
           <a:p>
             <a:fld id="{677919A6-33EB-49BD-A62F-1FA56B9F9712}" type="datetimeFigureOut">
               <a:rPr lang="en-US" dirty="0"/>
-              <a:t>9/18/2017</a:t>
+              <a:t>9/20/2017</a:t>
             </a:fld>
             <a:endParaRPr lang="en-US" dirty="0"/>
           </a:p>
@@ -2368,7 +2366,7 @@
           <a:p>
             <a:fld id="{CA4E7D1B-D673-4CF6-8672-009D42ABD2A0}" type="datetimeFigureOut">
               <a:rPr lang="en-US" dirty="0"/>
-              <a:t>9/18/2017</a:t>
+              <a:t>9/20/2017</a:t>
             </a:fld>
             <a:endParaRPr lang="en-US" dirty="0"/>
           </a:p>
@@ -2713,7 +2711,7 @@
           <a:p>
             <a:fld id="{DA16AA21-1863-4931-97CB-99D0A168701B}" type="datetimeFigureOut">
               <a:rPr lang="en-US" dirty="0"/>
-              <a:t>9/18/2017</a:t>
+              <a:t>9/20/2017</a:t>
             </a:fld>
             <a:endParaRPr lang="en-US" dirty="0"/>
           </a:p>
@@ -3133,7 +3131,7 @@
           <a:p>
             <a:fld id="{3772C379-9A7C-4C87-A116-CBE9F58B04C5}" type="datetimeFigureOut">
               <a:rPr lang="en-US" dirty="0"/>
-              <a:t>9/18/2017</a:t>
+              <a:t>9/20/2017</a:t>
             </a:fld>
             <a:endParaRPr lang="en-US" dirty="0"/>
           </a:p>
@@ -3409,7 +3407,7 @@
           <a:p>
             <a:fld id="{8664C608-40B1-4030-A28D-5B74BC98ADCE}" type="datetimeFigureOut">
               <a:rPr lang="en-US" dirty="0"/>
-              <a:t>9/18/2017</a:t>
+              <a:t>9/20/2017</a:t>
             </a:fld>
             <a:endParaRPr lang="en-US" dirty="0"/>
           </a:p>
@@ -4082,300 +4080,6 @@
           <p:cNvPr id="2" name="Title 1">
             <a:extLst>
               <a:ext uri="{FF2B5EF4-FFF2-40B4-BE49-F238E27FC236}">
-                <a16:creationId xmlns:a16="http://schemas.microsoft.com/office/drawing/2014/main" id="{5F849CD4-F6E8-42D1-822C-CA48AE633003}"/>
-              </a:ext>
-            </a:extLst>
-          </p:cNvPr>
-          <p:cNvSpPr>
-            <a:spLocks noGrp="1"/>
-          </p:cNvSpPr>
-          <p:nvPr>
-            <p:ph type="title"/>
-          </p:nvPr>
-        </p:nvSpPr>
-        <p:spPr/>
-        <p:txBody>
-          <a:bodyPr/>
-          <a:lstStyle/>
-          <a:p>
-            <a:r>
-              <a:rPr lang="de-DE" dirty="0"/>
-              <a:t>Setup Enviroments</a:t>
-            </a:r>
-            <a:endParaRPr lang="en-DE" dirty="0"/>
-          </a:p>
-        </p:txBody>
-      </p:sp>
-      <p:sp>
-        <p:nvSpPr>
-          <p:cNvPr id="3" name="Content Placeholder 2">
-            <a:extLst>
-              <a:ext uri="{FF2B5EF4-FFF2-40B4-BE49-F238E27FC236}">
-                <a16:creationId xmlns:a16="http://schemas.microsoft.com/office/drawing/2014/main" id="{BAC95DC9-1482-40DC-977B-B950DFAE8E4B}"/>
-              </a:ext>
-            </a:extLst>
-          </p:cNvPr>
-          <p:cNvSpPr>
-            <a:spLocks noGrp="1"/>
-          </p:cNvSpPr>
-          <p:nvPr>
-            <p:ph idx="1"/>
-          </p:nvPr>
-        </p:nvSpPr>
-        <p:spPr/>
-        <p:txBody>
-          <a:bodyPr>
-            <a:normAutofit/>
-          </a:bodyPr>
-          <a:lstStyle/>
-          <a:p>
-            <a:r>
-              <a:rPr lang="de-DE" dirty="0"/>
-              <a:t>Install angluar CLI tool</a:t>
-            </a:r>
-          </a:p>
-          <a:p>
-            <a:pPr marL="0" indent="0">
-              <a:buNone/>
-            </a:pPr>
-            <a:r>
-              <a:rPr lang="en-US" dirty="0"/>
-              <a:t>	</a:t>
-            </a:r>
-            <a:r>
-              <a:rPr lang="en-US" dirty="0" err="1">
-                <a:highlight>
-                  <a:srgbClr val="FFFF00"/>
-                </a:highlight>
-              </a:rPr>
-              <a:t>npm</a:t>
-            </a:r>
-            <a:r>
-              <a:rPr lang="en-US" dirty="0">
-                <a:highlight>
-                  <a:srgbClr val="FFFF00"/>
-                </a:highlight>
-              </a:rPr>
-              <a:t> install -g @angular/cli</a:t>
-            </a:r>
-          </a:p>
-          <a:p>
-            <a:r>
-              <a:rPr lang="en-US" dirty="0"/>
-              <a:t>Go the suitable directory and create new projects</a:t>
-            </a:r>
-          </a:p>
-          <a:p>
-            <a:pPr marL="0" indent="0">
-              <a:buNone/>
-            </a:pPr>
-            <a:r>
-              <a:rPr lang="en-US" dirty="0"/>
-              <a:t>	</a:t>
-            </a:r>
-            <a:r>
-              <a:rPr lang="en-US" dirty="0">
-                <a:highlight>
-                  <a:srgbClr val="FFFF00"/>
-                </a:highlight>
-              </a:rPr>
-              <a:t>ng new book-store-project</a:t>
-            </a:r>
-          </a:p>
-          <a:p>
-            <a:r>
-              <a:rPr lang="en-US" dirty="0"/>
-              <a:t>Run the server</a:t>
-            </a:r>
-          </a:p>
-          <a:p>
-            <a:pPr marL="0" indent="0">
-              <a:buNone/>
-            </a:pPr>
-            <a:r>
-              <a:rPr lang="en-US" dirty="0"/>
-              <a:t>	</a:t>
-            </a:r>
-            <a:r>
-              <a:rPr lang="en-US" dirty="0">
-                <a:highlight>
-                  <a:srgbClr val="FFFF00"/>
-                </a:highlight>
-              </a:rPr>
-              <a:t>cd first-ng-cli-project</a:t>
-            </a:r>
-          </a:p>
-          <a:p>
-            <a:pPr marL="0" indent="0">
-              <a:buNone/>
-            </a:pPr>
-            <a:r>
-              <a:rPr lang="en-US" dirty="0"/>
-              <a:t>	</a:t>
-            </a:r>
-            <a:r>
-              <a:rPr lang="en-US" dirty="0">
-                <a:highlight>
-                  <a:srgbClr val="FFFF00"/>
-                </a:highlight>
-              </a:rPr>
-              <a:t>ng serve</a:t>
-            </a:r>
-          </a:p>
-          <a:p>
-            <a:pPr marL="0" indent="0">
-              <a:buNone/>
-            </a:pPr>
-            <a:endParaRPr lang="en-US" dirty="0"/>
-          </a:p>
-          <a:p>
-            <a:pPr marL="0" indent="0">
-              <a:buNone/>
-            </a:pPr>
-            <a:endParaRPr lang="en-DE" dirty="0"/>
-          </a:p>
-        </p:txBody>
-      </p:sp>
-    </p:spTree>
-    <p:extLst>
-      <p:ext uri="{BB962C8B-B14F-4D97-AF65-F5344CB8AC3E}">
-        <p14:creationId xmlns:p14="http://schemas.microsoft.com/office/powerpoint/2010/main" val="551222701"/>
-      </p:ext>
-    </p:extLst>
-  </p:cSld>
-  <p:clrMapOvr>
-    <a:masterClrMapping/>
-  </p:clrMapOvr>
-</p:sld>
-</file>
-
-<file path=ppt/slides/slide11.xml><?xml version="1.0" encoding="utf-8"?>
-<p:sld xmlns:a="http://schemas.openxmlformats.org/drawingml/2006/main" xmlns:r="http://schemas.openxmlformats.org/officeDocument/2006/relationships" xmlns:p="http://schemas.openxmlformats.org/presentationml/2006/main">
-  <p:cSld>
-    <p:spTree>
-      <p:nvGrpSpPr>
-        <p:cNvPr id="1" name=""/>
-        <p:cNvGrpSpPr/>
-        <p:nvPr/>
-      </p:nvGrpSpPr>
-      <p:grpSpPr>
-        <a:xfrm>
-          <a:off x="0" y="0"/>
-          <a:ext cx="0" cy="0"/>
-          <a:chOff x="0" y="0"/>
-          <a:chExt cx="0" cy="0"/>
-        </a:xfrm>
-      </p:grpSpPr>
-      <p:sp>
-        <p:nvSpPr>
-          <p:cNvPr id="2" name="Title 1">
-            <a:extLst>
-              <a:ext uri="{FF2B5EF4-FFF2-40B4-BE49-F238E27FC236}">
-                <a16:creationId xmlns:a16="http://schemas.microsoft.com/office/drawing/2014/main" id="{5F849CD4-F6E8-42D1-822C-CA48AE633003}"/>
-              </a:ext>
-            </a:extLst>
-          </p:cNvPr>
-          <p:cNvSpPr>
-            <a:spLocks noGrp="1"/>
-          </p:cNvSpPr>
-          <p:nvPr>
-            <p:ph type="title"/>
-          </p:nvPr>
-        </p:nvSpPr>
-        <p:spPr/>
-        <p:txBody>
-          <a:bodyPr/>
-          <a:lstStyle/>
-          <a:p>
-            <a:r>
-              <a:rPr lang="de-DE" dirty="0"/>
-              <a:t>Enide installation</a:t>
-            </a:r>
-            <a:endParaRPr lang="en-DE" dirty="0"/>
-          </a:p>
-        </p:txBody>
-      </p:sp>
-      <p:sp>
-        <p:nvSpPr>
-          <p:cNvPr id="3" name="Content Placeholder 2">
-            <a:extLst>
-              <a:ext uri="{FF2B5EF4-FFF2-40B4-BE49-F238E27FC236}">
-                <a16:creationId xmlns:a16="http://schemas.microsoft.com/office/drawing/2014/main" id="{BAC95DC9-1482-40DC-977B-B950DFAE8E4B}"/>
-              </a:ext>
-            </a:extLst>
-          </p:cNvPr>
-          <p:cNvSpPr>
-            <a:spLocks noGrp="1"/>
-          </p:cNvSpPr>
-          <p:nvPr>
-            <p:ph idx="1"/>
-          </p:nvPr>
-        </p:nvSpPr>
-        <p:spPr/>
-        <p:txBody>
-          <a:bodyPr>
-            <a:normAutofit/>
-          </a:bodyPr>
-          <a:lstStyle/>
-          <a:p>
-            <a:r>
-              <a:rPr lang="de-DE"/>
-              <a:t>Install ENIDE</a:t>
-            </a:r>
-            <a:endParaRPr lang="de-DE" dirty="0"/>
-          </a:p>
-          <a:p>
-            <a:pPr marL="0" indent="0">
-              <a:buNone/>
-            </a:pPr>
-            <a:r>
-              <a:rPr lang="en-US" dirty="0"/>
-              <a:t>	 http://www.nodeclipse.org/updates/</a:t>
-            </a:r>
-          </a:p>
-          <a:p>
-            <a:pPr marL="0" indent="0">
-              <a:buNone/>
-            </a:pPr>
-            <a:endParaRPr lang="en-DE" dirty="0"/>
-          </a:p>
-        </p:txBody>
-      </p:sp>
-    </p:spTree>
-    <p:extLst>
-      <p:ext uri="{BB962C8B-B14F-4D97-AF65-F5344CB8AC3E}">
-        <p14:creationId xmlns:p14="http://schemas.microsoft.com/office/powerpoint/2010/main" val="1759595581"/>
-      </p:ext>
-    </p:extLst>
-  </p:cSld>
-  <p:clrMapOvr>
-    <a:masterClrMapping/>
-  </p:clrMapOvr>
-</p:sld>
-</file>
-
-<file path=ppt/slides/slide12.xml><?xml version="1.0" encoding="utf-8"?>
-<p:sld xmlns:a="http://schemas.openxmlformats.org/drawingml/2006/main" xmlns:r="http://schemas.openxmlformats.org/officeDocument/2006/relationships" xmlns:p="http://schemas.openxmlformats.org/presentationml/2006/main">
-  <p:cSld>
-    <p:spTree>
-      <p:nvGrpSpPr>
-        <p:cNvPr id="1" name=""/>
-        <p:cNvGrpSpPr/>
-        <p:nvPr/>
-      </p:nvGrpSpPr>
-      <p:grpSpPr>
-        <a:xfrm>
-          <a:off x="0" y="0"/>
-          <a:ext cx="0" cy="0"/>
-          <a:chOff x="0" y="0"/>
-          <a:chExt cx="0" cy="0"/>
-        </a:xfrm>
-      </p:grpSpPr>
-      <p:sp>
-        <p:nvSpPr>
-          <p:cNvPr id="2" name="Title 1">
-            <a:extLst>
-              <a:ext uri="{FF2B5EF4-FFF2-40B4-BE49-F238E27FC236}">
                 <a16:creationId xmlns:a16="http://schemas.microsoft.com/office/drawing/2014/main" id="{EA16CA69-B2C9-436E-A16E-51B2B366404E}"/>
               </a:ext>
             </a:extLst>
@@ -4442,7 +4146,7 @@
 </p:sld>
 </file>
 
-<file path=ppt/slides/slide13.xml><?xml version="1.0" encoding="utf-8"?>
+<file path=ppt/slides/slide11.xml><?xml version="1.0" encoding="utf-8"?>
 <p:sld xmlns:a="http://schemas.openxmlformats.org/drawingml/2006/main" xmlns:r="http://schemas.openxmlformats.org/officeDocument/2006/relationships" xmlns:p="http://schemas.openxmlformats.org/presentationml/2006/main">
   <p:cSld>
     <p:spTree>
@@ -4548,7 +4252,7 @@
           <p:cNvPr id="2" name="Title 1">
             <a:extLst>
               <a:ext uri="{FF2B5EF4-FFF2-40B4-BE49-F238E27FC236}">
-                <a16:creationId xmlns:a16="http://schemas.microsoft.com/office/drawing/2014/main" id="{D04F97F4-A2C0-4A01-AD5F-3369FA3EC1E0}"/>
+                <a16:creationId xmlns:a16="http://schemas.microsoft.com/office/drawing/2014/main" id="{9819A256-B72C-482B-983B-E5C0C87356FA}"/>
               </a:ext>
             </a:extLst>
           </p:cNvPr>
@@ -4566,7 +4270,7 @@
           <a:p>
             <a:r>
               <a:rPr lang="de-DE" dirty="0"/>
-              <a:t>Course Agenda</a:t>
+              <a:t>Road map</a:t>
             </a:r>
             <a:endParaRPr lang="en-DE" dirty="0"/>
           </a:p>
@@ -4577,7 +4281,7 @@
           <p:cNvPr id="3" name="Content Placeholder 2">
             <a:extLst>
               <a:ext uri="{FF2B5EF4-FFF2-40B4-BE49-F238E27FC236}">
-                <a16:creationId xmlns:a16="http://schemas.microsoft.com/office/drawing/2014/main" id="{36F830F6-F3A7-4568-BBEA-39260EF36DEC}"/>
+                <a16:creationId xmlns:a16="http://schemas.microsoft.com/office/drawing/2014/main" id="{622F014E-33E1-4595-AE7A-352FE12B1F0B}"/>
               </a:ext>
             </a:extLst>
           </p:cNvPr>
@@ -4590,58 +4294,82 @@
         </p:nvSpPr>
         <p:spPr/>
         <p:txBody>
-          <a:bodyPr/>
+          <a:bodyPr>
+            <a:normAutofit/>
+          </a:bodyPr>
           <a:lstStyle/>
           <a:p>
             <a:r>
               <a:rPr lang="de-DE" dirty="0"/>
-              <a:t>Session 1: Introduction : Hello World</a:t>
-            </a:r>
-          </a:p>
-          <a:p>
+              <a:t>In each session</a:t>
+            </a:r>
+          </a:p>
+          <a:p>
+            <a:pPr lvl="1"/>
             <a:r>
               <a:rPr lang="de-DE" dirty="0"/>
-              <a:t>Session 2: Basic component</a:t>
-            </a:r>
-          </a:p>
-          <a:p>
+              <a:t>Explaination to Session topic and practic example</a:t>
+            </a:r>
+          </a:p>
+          <a:p>
+            <a:pPr lvl="1"/>
             <a:r>
               <a:rPr lang="de-DE" dirty="0"/>
-              <a:t>Session 3: </a:t>
-            </a:r>
-            <a:r>
-              <a:rPr lang="en-US" dirty="0"/>
-              <a:t>Components , Services , Dependency Injections, Pipes, Routing</a:t>
+              <a:t>There will be excerise to be solve after the session</a:t>
+            </a:r>
+          </a:p>
+          <a:p>
+            <a:pPr lvl="1"/>
+            <a:r>
+              <a:rPr lang="de-DE" dirty="0"/>
+              <a:t>Solution of the excerise for refrencing, will be online for download</a:t>
+            </a:r>
+          </a:p>
+          <a:p>
+            <a:pPr lvl="1"/>
+            <a:r>
+              <a:rPr lang="de-DE" dirty="0"/>
+              <a:t>Session </a:t>
+            </a:r>
+            <a:r>
+              <a:rPr lang="de-DE"/>
+              <a:t>attender can solve </a:t>
+            </a:r>
+            <a:r>
+              <a:rPr lang="de-DE" dirty="0"/>
+              <a:t>the </a:t>
+            </a:r>
+            <a:r>
+              <a:rPr lang="de-DE"/>
+              <a:t>excerise and reply in my site</a:t>
             </a:r>
             <a:endParaRPr lang="de-DE" dirty="0"/>
           </a:p>
           <a:p>
             <a:r>
               <a:rPr lang="de-DE" dirty="0"/>
-              <a:t>Session 4: Forms</a:t>
-            </a:r>
-          </a:p>
-          <a:p>
-            <a:r>
-              <a:rPr lang="de-DE" dirty="0"/>
-              <a:t>Session 5: </a:t>
-            </a:r>
-            <a:r>
-              <a:rPr lang="en-US" dirty="0" err="1"/>
-              <a:t>Observal</a:t>
-            </a:r>
-            <a:r>
-              <a:rPr lang="en-US" dirty="0"/>
-              <a:t> , </a:t>
-            </a:r>
-            <a:r>
-              <a:rPr lang="en-US" dirty="0" err="1"/>
-              <a:t>AsyncPipe</a:t>
-            </a:r>
-            <a:r>
-              <a:rPr lang="en-US" dirty="0"/>
-              <a:t> and HTTP client</a:t>
-            </a:r>
+              <a:t>The excerises and solutions download link is </a:t>
+            </a:r>
+          </a:p>
+          <a:p>
+            <a:pPr marL="0" indent="0">
+              <a:buNone/>
+            </a:pPr>
+            <a:r>
+              <a:rPr lang="de-DE" dirty="0">
+                <a:hlinkClick r:id="rId2"/>
+              </a:rPr>
+              <a:t>https://github.com/aymanElshayeb/angular4-course</a:t>
+            </a:r>
+            <a:endParaRPr lang="de-DE" dirty="0"/>
+          </a:p>
+          <a:p>
+            <a:pPr marL="274320" lvl="1" indent="0">
+              <a:buNone/>
+            </a:pPr>
+            <a:endParaRPr lang="de-DE" dirty="0"/>
+          </a:p>
+          <a:p>
             <a:endParaRPr lang="en-DE" dirty="0"/>
           </a:p>
         </p:txBody>
@@ -4649,7 +4377,7 @@
     </p:spTree>
     <p:extLst>
       <p:ext uri="{BB962C8B-B14F-4D97-AF65-F5344CB8AC3E}">
-        <p14:creationId xmlns:p14="http://schemas.microsoft.com/office/powerpoint/2010/main" val="321585193"/>
+        <p14:creationId xmlns:p14="http://schemas.microsoft.com/office/powerpoint/2010/main" val="3009008911"/>
       </p:ext>
     </p:extLst>
   </p:cSld>
@@ -4681,7 +4409,7 @@
           <p:cNvPr id="2" name="Title 1">
             <a:extLst>
               <a:ext uri="{FF2B5EF4-FFF2-40B4-BE49-F238E27FC236}">
-                <a16:creationId xmlns:a16="http://schemas.microsoft.com/office/drawing/2014/main" id="{9819A256-B72C-482B-983B-E5C0C87356FA}"/>
+                <a16:creationId xmlns:a16="http://schemas.microsoft.com/office/drawing/2014/main" id="{3A4B3A4D-A4A9-4AFB-8081-ED1FC5C2F663}"/>
               </a:ext>
             </a:extLst>
           </p:cNvPr>
@@ -4699,7 +4427,7 @@
           <a:p>
             <a:r>
               <a:rPr lang="de-DE" dirty="0"/>
-              <a:t>Road map</a:t>
+              <a:t>What is Angluar </a:t>
             </a:r>
             <a:endParaRPr lang="en-DE" dirty="0"/>
           </a:p>
@@ -4710,7 +4438,7 @@
           <p:cNvPr id="3" name="Content Placeholder 2">
             <a:extLst>
               <a:ext uri="{FF2B5EF4-FFF2-40B4-BE49-F238E27FC236}">
-                <a16:creationId xmlns:a16="http://schemas.microsoft.com/office/drawing/2014/main" id="{622F014E-33E1-4595-AE7A-352FE12B1F0B}"/>
+                <a16:creationId xmlns:a16="http://schemas.microsoft.com/office/drawing/2014/main" id="{E5B952A5-5315-49D5-8B78-548824A34170}"/>
               </a:ext>
             </a:extLst>
           </p:cNvPr>
@@ -4723,77 +4451,31 @@
         </p:nvSpPr>
         <p:spPr/>
         <p:txBody>
-          <a:bodyPr>
-            <a:normAutofit/>
-          </a:bodyPr>
+          <a:bodyPr/>
           <a:lstStyle/>
           <a:p>
             <a:r>
               <a:rPr lang="de-DE" dirty="0"/>
-              <a:t>In each session</a:t>
-            </a:r>
-          </a:p>
-          <a:p>
-            <a:pPr lvl="1"/>
+              <a:t>Angular is an open source javascript framework to build Web  , mobile web, native mobile and native desktop applications</a:t>
+            </a:r>
+          </a:p>
+          <a:p>
             <a:r>
               <a:rPr lang="de-DE" dirty="0"/>
-              <a:t>Explaination to Session topic and practic example</a:t>
-            </a:r>
-          </a:p>
-          <a:p>
-            <a:pPr lvl="1"/>
-            <a:r>
-              <a:rPr lang="de-DE" dirty="0"/>
-              <a:t>There will be excerise to be solve after the session</a:t>
-            </a:r>
-          </a:p>
-          <a:p>
-            <a:pPr lvl="1"/>
-            <a:r>
-              <a:rPr lang="de-DE" dirty="0"/>
-              <a:t>Solution of the excerise for refrencing, will be online for download</a:t>
-            </a:r>
-          </a:p>
-          <a:p>
-            <a:pPr lvl="1"/>
-            <a:r>
-              <a:rPr lang="de-DE" dirty="0"/>
-              <a:t>Session attender should solve the excerise and send for review </a:t>
-            </a:r>
-          </a:p>
-          <a:p>
-            <a:r>
-              <a:rPr lang="de-DE" dirty="0"/>
-              <a:t>The excerises and solutions download link is </a:t>
-            </a:r>
-          </a:p>
-          <a:p>
-            <a:pPr marL="0" indent="0">
-              <a:buNone/>
-            </a:pPr>
-            <a:r>
-              <a:rPr lang="de-DE" dirty="0">
-                <a:hlinkClick r:id="rId2"/>
-              </a:rPr>
-              <a:t>https://github.com/aymanElshayeb/angular4-course</a:t>
+              <a:t>We can use it in combination with server-side web applicaitons like Node</a:t>
+            </a:r>
+            <a:r>
+              <a:rPr lang="de-DE"/>
+              <a:t>.js</a:t>
             </a:r>
             <a:endParaRPr lang="de-DE" dirty="0"/>
-          </a:p>
-          <a:p>
-            <a:pPr marL="274320" lvl="1" indent="0">
-              <a:buNone/>
-            </a:pPr>
-            <a:endParaRPr lang="de-DE" dirty="0"/>
-          </a:p>
-          <a:p>
-            <a:endParaRPr lang="en-DE" dirty="0"/>
           </a:p>
         </p:txBody>
       </p:sp>
     </p:spTree>
     <p:extLst>
       <p:ext uri="{BB962C8B-B14F-4D97-AF65-F5344CB8AC3E}">
-        <p14:creationId xmlns:p14="http://schemas.microsoft.com/office/powerpoint/2010/main" val="3009008911"/>
+        <p14:creationId xmlns:p14="http://schemas.microsoft.com/office/powerpoint/2010/main" val="3300689863"/>
       </p:ext>
     </p:extLst>
   </p:cSld>
@@ -4825,7 +4507,7 @@
           <p:cNvPr id="2" name="Title 1">
             <a:extLst>
               <a:ext uri="{FF2B5EF4-FFF2-40B4-BE49-F238E27FC236}">
-                <a16:creationId xmlns:a16="http://schemas.microsoft.com/office/drawing/2014/main" id="{C282FC9E-4286-403E-80FB-3938F5515081}"/>
+                <a16:creationId xmlns:a16="http://schemas.microsoft.com/office/drawing/2014/main" id="{CCC4EA52-D00D-4212-A5C8-92DCD4BD0F3C}"/>
               </a:ext>
             </a:extLst>
           </p:cNvPr>
@@ -4843,7 +4525,7 @@
           <a:p>
             <a:r>
               <a:rPr lang="de-DE" dirty="0"/>
-              <a:t>References</a:t>
+              <a:t>Angular Versions</a:t>
             </a:r>
             <a:endParaRPr lang="en-DE" dirty="0"/>
           </a:p>
@@ -4854,7 +4536,7 @@
           <p:cNvPr id="3" name="Content Placeholder 2">
             <a:extLst>
               <a:ext uri="{FF2B5EF4-FFF2-40B4-BE49-F238E27FC236}">
-                <a16:creationId xmlns:a16="http://schemas.microsoft.com/office/drawing/2014/main" id="{E920FBBF-6A20-484E-9422-5592AE130A32}"/>
+                <a16:creationId xmlns:a16="http://schemas.microsoft.com/office/drawing/2014/main" id="{EB9D0E4B-061C-4A8E-BEC6-48406E3EAC63}"/>
               </a:ext>
             </a:extLst>
           </p:cNvPr>
@@ -4872,70 +4554,82 @@
           <a:p>
             <a:r>
               <a:rPr lang="en-US" dirty="0"/>
-              <a:t>building modern web applications using angular  (Book)</a:t>
-            </a:r>
-          </a:p>
-          <a:p>
-            <a:pPr marL="0" indent="0">
+              <a:t>Angular 1.x </a:t>
+            </a:r>
+          </a:p>
+          <a:p>
+            <a:pPr lvl="1"/>
+            <a:r>
+              <a:rPr lang="en-US" dirty="0"/>
+              <a:t>Developer community highly appreciates AngularJS 1 but it has some drawbacks </a:t>
+            </a:r>
+            <a:r>
+              <a:rPr lang="de-DE" dirty="0"/>
+              <a:t> </a:t>
+            </a:r>
+          </a:p>
+          <a:p>
+            <a:pPr lvl="2"/>
+            <a:r>
+              <a:rPr lang="de-DE" dirty="0"/>
+              <a:t>High learning curve</a:t>
+            </a:r>
+          </a:p>
+          <a:p>
+            <a:pPr lvl="2"/>
+            <a:r>
+              <a:rPr lang="de-DE" dirty="0"/>
+              <a:t>Not good Performance incase of complex appliation with huge data</a:t>
+            </a:r>
+          </a:p>
+          <a:p>
+            <a:pPr lvl="2"/>
+            <a:r>
+              <a:rPr lang="de-DE" dirty="0"/>
+              <a:t>API is some how complex</a:t>
+            </a:r>
+          </a:p>
+          <a:p>
+            <a:r>
+              <a:rPr lang="de-DE" dirty="0"/>
+              <a:t>Angular 2</a:t>
+            </a:r>
+          </a:p>
+          <a:p>
+            <a:pPr lvl="1"/>
+            <a:r>
+              <a:rPr lang="de-DE" dirty="0"/>
+              <a:t>Angular 2 is a new version of Angular . It is totally different concepts from Angular 1</a:t>
+            </a:r>
+          </a:p>
+          <a:p>
+            <a:pPr lvl="1"/>
+            <a:r>
+              <a:rPr lang="de-DE" dirty="0"/>
+              <a:t>It solves many of Angular 1 issues</a:t>
+            </a:r>
+          </a:p>
+          <a:p>
+            <a:r>
+              <a:rPr lang="de-DE" dirty="0"/>
+              <a:t>Angular 4 </a:t>
+            </a:r>
+          </a:p>
+          <a:p>
+            <a:pPr lvl="1"/>
+            <a:r>
+              <a:rPr lang="de-DE" dirty="0"/>
+              <a:t>It is the version after Angular 2 . It has the same concepts of Angular 2 but it addes a lot of new features for modern web applications </a:t>
+            </a:r>
+          </a:p>
+          <a:p>
+            <a:pPr marL="274320" lvl="1" indent="0">
               <a:buNone/>
             </a:pPr>
             <a:r>
-              <a:rPr lang="en-US" dirty="0">
-                <a:hlinkClick r:id="rId2"/>
-              </a:rPr>
-              <a:t>https://www.packtpub.com/web-development/building-modern-web-applications-using-angular</a:t>
-            </a:r>
-            <a:endParaRPr lang="en-US" dirty="0"/>
-          </a:p>
-          <a:p>
-            <a:r>
-              <a:rPr lang="en-US" dirty="0"/>
-              <a:t>Angular 4 documentations</a:t>
-            </a:r>
-          </a:p>
-          <a:p>
-            <a:pPr marL="0" indent="0">
-              <a:buNone/>
-            </a:pPr>
-            <a:r>
-              <a:rPr lang="de-DE" dirty="0">
-                <a:hlinkClick r:id="rId3"/>
-              </a:rPr>
-              <a:t>https://angular.io/</a:t>
-            </a:r>
-            <a:endParaRPr lang="de-DE" dirty="0"/>
-          </a:p>
-          <a:p>
-            <a:r>
-              <a:rPr lang="en-US" dirty="0"/>
-              <a:t>Starting with Angular 4  (Video book)</a:t>
-            </a:r>
-          </a:p>
-          <a:p>
-            <a:pPr marL="0" indent="0">
-              <a:buNone/>
-            </a:pPr>
-            <a:r>
-              <a:rPr lang="en-US" dirty="0">
-                <a:hlinkClick r:id="rId4"/>
-              </a:rPr>
-              <a:t>http://stoneriverelearning.com/p/starting-with-angular</a:t>
-            </a:r>
-            <a:endParaRPr lang="en-US" dirty="0"/>
-          </a:p>
-          <a:p>
-            <a:pPr marL="0" indent="0">
-              <a:buNone/>
-            </a:pPr>
-            <a:endParaRPr lang="en-US" dirty="0"/>
-          </a:p>
-          <a:p>
-            <a:pPr marL="0" indent="0">
-              <a:buNone/>
-            </a:pPr>
-            <a:endParaRPr lang="de-DE" dirty="0"/>
-          </a:p>
-          <a:p>
+              <a:rPr lang="de-DE" dirty="0"/>
+              <a:t> </a:t>
+            </a:r>
             <a:endParaRPr lang="en-DE" dirty="0"/>
           </a:p>
         </p:txBody>
@@ -4943,7 +4637,7 @@
     </p:spTree>
     <p:extLst>
       <p:ext uri="{BB962C8B-B14F-4D97-AF65-F5344CB8AC3E}">
-        <p14:creationId xmlns:p14="http://schemas.microsoft.com/office/powerpoint/2010/main" val="1900259177"/>
+        <p14:creationId xmlns:p14="http://schemas.microsoft.com/office/powerpoint/2010/main" val="29758507"/>
       </p:ext>
     </p:extLst>
   </p:cSld>
@@ -4975,7 +4669,7 @@
           <p:cNvPr id="2" name="Title 1">
             <a:extLst>
               <a:ext uri="{FF2B5EF4-FFF2-40B4-BE49-F238E27FC236}">
-                <a16:creationId xmlns:a16="http://schemas.microsoft.com/office/drawing/2014/main" id="{3A4B3A4D-A4A9-4AFB-8081-ED1FC5C2F663}"/>
+                <a16:creationId xmlns:a16="http://schemas.microsoft.com/office/drawing/2014/main" id="{3B294E89-E77D-4733-8DDE-B0E055CEBB0E}"/>
               </a:ext>
             </a:extLst>
           </p:cNvPr>
@@ -4993,7 +4687,7 @@
           <a:p>
             <a:r>
               <a:rPr lang="de-DE" dirty="0"/>
-              <a:t>What is Angluar </a:t>
+              <a:t>Angular 4 new features</a:t>
             </a:r>
             <a:endParaRPr lang="en-DE" dirty="0"/>
           </a:p>
@@ -5004,7 +4698,7 @@
           <p:cNvPr id="3" name="Content Placeholder 2">
             <a:extLst>
               <a:ext uri="{FF2B5EF4-FFF2-40B4-BE49-F238E27FC236}">
-                <a16:creationId xmlns:a16="http://schemas.microsoft.com/office/drawing/2014/main" id="{E5B952A5-5315-49D5-8B78-548824A34170}"/>
+                <a16:creationId xmlns:a16="http://schemas.microsoft.com/office/drawing/2014/main" id="{A68C8CC3-B1B6-4713-A4DE-57F112C5EBF9}"/>
               </a:ext>
             </a:extLst>
           </p:cNvPr>
@@ -5017,31 +4711,59 @@
         </p:nvSpPr>
         <p:spPr/>
         <p:txBody>
-          <a:bodyPr/>
-          <a:lstStyle/>
+          <a:bodyPr>
+            <a:normAutofit/>
+          </a:bodyPr>
+          <a:lstStyle/>
+          <a:p>
+            <a:r>
+              <a:rPr lang="en-US" dirty="0"/>
+              <a:t>Components</a:t>
+            </a:r>
+          </a:p>
+          <a:p>
+            <a:r>
+              <a:rPr lang="en-US" dirty="0"/>
+              <a:t>New templating syntax</a:t>
+            </a:r>
+          </a:p>
+          <a:p>
+            <a:r>
+              <a:rPr lang="en-US" dirty="0"/>
+              <a:t>Unidirectional data flow</a:t>
+            </a:r>
+          </a:p>
+          <a:p>
+            <a:r>
+              <a:rPr lang="en-US" dirty="0"/>
+              <a:t>New component router</a:t>
+            </a:r>
+          </a:p>
+          <a:p>
+            <a:r>
+              <a:rPr lang="en-US" dirty="0"/>
+              <a:t>Observables</a:t>
+            </a:r>
+          </a:p>
+          <a:p>
+            <a:r>
+              <a:rPr lang="en-US" dirty="0"/>
+              <a:t>New languages for development ( TypeScript, …)</a:t>
+            </a:r>
+          </a:p>
           <a:p>
             <a:r>
               <a:rPr lang="de-DE" dirty="0"/>
-              <a:t>Angular is an open source javascript framework to build Web  , mobile web, native mobile and native desktop applications</a:t>
-            </a:r>
-          </a:p>
-          <a:p>
-            <a:r>
-              <a:rPr lang="de-DE" dirty="0"/>
-              <a:t>We can use it in combination with server-side web applicaitons like Node</a:t>
-            </a:r>
-            <a:r>
-              <a:rPr lang="de-DE"/>
-              <a:t>.js</a:t>
-            </a:r>
-            <a:endParaRPr lang="de-DE" dirty="0"/>
+              <a:t> and more...</a:t>
+            </a:r>
+            <a:endParaRPr lang="en-DE" dirty="0"/>
           </a:p>
         </p:txBody>
       </p:sp>
     </p:spTree>
     <p:extLst>
       <p:ext uri="{BB962C8B-B14F-4D97-AF65-F5344CB8AC3E}">
-        <p14:creationId xmlns:p14="http://schemas.microsoft.com/office/powerpoint/2010/main" val="3300689863"/>
+        <p14:creationId xmlns:p14="http://schemas.microsoft.com/office/powerpoint/2010/main" val="2947151928"/>
       </p:ext>
     </p:extLst>
   </p:cSld>
@@ -5073,7 +4795,7 @@
           <p:cNvPr id="2" name="Title 1">
             <a:extLst>
               <a:ext uri="{FF2B5EF4-FFF2-40B4-BE49-F238E27FC236}">
-                <a16:creationId xmlns:a16="http://schemas.microsoft.com/office/drawing/2014/main" id="{CCC4EA52-D00D-4212-A5C8-92DCD4BD0F3C}"/>
+                <a16:creationId xmlns:a16="http://schemas.microsoft.com/office/drawing/2014/main" id="{0277C4DF-1A8A-41AF-9BFE-648D07717AA9}"/>
               </a:ext>
             </a:extLst>
           </p:cNvPr>
@@ -5091,7 +4813,7 @@
           <a:p>
             <a:r>
               <a:rPr lang="de-DE" dirty="0"/>
-              <a:t>Angular Versions</a:t>
+              <a:t>Hello World</a:t>
             </a:r>
             <a:endParaRPr lang="en-DE" dirty="0"/>
           </a:p>
@@ -5102,7 +4824,7 @@
           <p:cNvPr id="3" name="Content Placeholder 2">
             <a:extLst>
               <a:ext uri="{FF2B5EF4-FFF2-40B4-BE49-F238E27FC236}">
-                <a16:creationId xmlns:a16="http://schemas.microsoft.com/office/drawing/2014/main" id="{EB9D0E4B-061C-4A8E-BEC6-48406E3EAC63}"/>
+                <a16:creationId xmlns:a16="http://schemas.microsoft.com/office/drawing/2014/main" id="{85C1780D-1289-4FAC-B0DB-40609240F6DB}"/>
               </a:ext>
             </a:extLst>
           </p:cNvPr>
@@ -5119,82 +4841,43 @@
           <a:lstStyle/>
           <a:p>
             <a:r>
-              <a:rPr lang="en-US" dirty="0"/>
-              <a:t>Angular 1.x </a:t>
+              <a:rPr lang="de-DE" dirty="0"/>
+              <a:t>Live Demo </a:t>
             </a:r>
           </a:p>
           <a:p>
             <a:pPr lvl="1"/>
             <a:r>
-              <a:rPr lang="en-US" dirty="0"/>
-              <a:t>Developer community highly appreciates AngularJS 1 but it has some drawbacks </a:t>
-            </a:r>
-            <a:r>
               <a:rPr lang="de-DE" dirty="0"/>
-              <a:t> </a:t>
+              <a:t>Set up Enviroment</a:t>
             </a:r>
           </a:p>
           <a:p>
             <a:pPr lvl="2"/>
             <a:r>
               <a:rPr lang="de-DE" dirty="0"/>
-              <a:t>High learning curve</a:t>
+              <a:t>Node.js</a:t>
             </a:r>
           </a:p>
           <a:p>
             <a:pPr lvl="2"/>
             <a:r>
               <a:rPr lang="de-DE" dirty="0"/>
-              <a:t>Not good Performance incase of complex appliation with huge data</a:t>
+              <a:t>TypeScript</a:t>
             </a:r>
           </a:p>
           <a:p>
             <a:pPr lvl="2"/>
             <a:r>
               <a:rPr lang="de-DE" dirty="0"/>
-              <a:t>API is some how complex</a:t>
-            </a:r>
-          </a:p>
-          <a:p>
+              <a:t>Angular CLI</a:t>
+            </a:r>
+          </a:p>
+          <a:p>
+            <a:pPr lvl="1"/>
             <a:r>
               <a:rPr lang="de-DE" dirty="0"/>
-              <a:t>Angular 2</a:t>
-            </a:r>
-          </a:p>
-          <a:p>
-            <a:pPr lvl="1"/>
-            <a:r>
-              <a:rPr lang="de-DE" dirty="0"/>
-              <a:t>Angular 2 is a new version of Angular . It is totally different concepts from Angular 1</a:t>
-            </a:r>
-          </a:p>
-          <a:p>
-            <a:pPr lvl="1"/>
-            <a:r>
-              <a:rPr lang="de-DE" dirty="0"/>
-              <a:t>It solves many of Angular 1 issues</a:t>
-            </a:r>
-          </a:p>
-          <a:p>
-            <a:r>
-              <a:rPr lang="de-DE" dirty="0"/>
-              <a:t>Angular 4 </a:t>
-            </a:r>
-          </a:p>
-          <a:p>
-            <a:pPr lvl="1"/>
-            <a:r>
-              <a:rPr lang="de-DE" dirty="0"/>
-              <a:t>It is the version after Angular 2 . It has the same concepts of Angular 2 but it addes a lot of new features for modern web applications </a:t>
-            </a:r>
-          </a:p>
-          <a:p>
-            <a:pPr marL="274320" lvl="1" indent="0">
-              <a:buNone/>
-            </a:pPr>
-            <a:r>
-              <a:rPr lang="de-DE" dirty="0"/>
-              <a:t> </a:t>
+              <a:t>Hello Worlds</a:t>
             </a:r>
             <a:endParaRPr lang="en-DE" dirty="0"/>
           </a:p>
@@ -5203,7 +4886,7 @@
     </p:spTree>
     <p:extLst>
       <p:ext uri="{BB962C8B-B14F-4D97-AF65-F5344CB8AC3E}">
-        <p14:creationId xmlns:p14="http://schemas.microsoft.com/office/powerpoint/2010/main" val="29758507"/>
+        <p14:creationId xmlns:p14="http://schemas.microsoft.com/office/powerpoint/2010/main" val="1939353323"/>
       </p:ext>
     </p:extLst>
   </p:cSld>
@@ -5235,7 +4918,7 @@
           <p:cNvPr id="2" name="Title 1">
             <a:extLst>
               <a:ext uri="{FF2B5EF4-FFF2-40B4-BE49-F238E27FC236}">
-                <a16:creationId xmlns:a16="http://schemas.microsoft.com/office/drawing/2014/main" id="{3B294E89-E77D-4733-8DDE-B0E055CEBB0E}"/>
+                <a16:creationId xmlns:a16="http://schemas.microsoft.com/office/drawing/2014/main" id="{5F849CD4-F6E8-42D1-822C-CA48AE633003}"/>
               </a:ext>
             </a:extLst>
           </p:cNvPr>
@@ -5253,7 +4936,7 @@
           <a:p>
             <a:r>
               <a:rPr lang="de-DE" dirty="0"/>
-              <a:t>Angular 4 new features</a:t>
+              <a:t>Setup Enviroments</a:t>
             </a:r>
             <a:endParaRPr lang="en-DE" dirty="0"/>
           </a:p>
@@ -5264,7 +4947,7 @@
           <p:cNvPr id="3" name="Content Placeholder 2">
             <a:extLst>
               <a:ext uri="{FF2B5EF4-FFF2-40B4-BE49-F238E27FC236}">
-                <a16:creationId xmlns:a16="http://schemas.microsoft.com/office/drawing/2014/main" id="{A68C8CC3-B1B6-4713-A4DE-57F112C5EBF9}"/>
+                <a16:creationId xmlns:a16="http://schemas.microsoft.com/office/drawing/2014/main" id="{BAC95DC9-1482-40DC-977B-B950DFAE8E4B}"/>
               </a:ext>
             </a:extLst>
           </p:cNvPr>
@@ -5283,45 +4966,119 @@
           <a:lstStyle/>
           <a:p>
             <a:r>
+              <a:rPr lang="de-DE" dirty="0"/>
+              <a:t>Download Node.js as descripe in </a:t>
+            </a:r>
+          </a:p>
+          <a:p>
+            <a:pPr marL="0" indent="0">
+              <a:buNone/>
+            </a:pPr>
+            <a:r>
+              <a:rPr lang="en-US" dirty="0">
+                <a:hlinkClick r:id="rId2"/>
+              </a:rPr>
+              <a:t>	https://nodejs.org/en/download/</a:t>
+            </a:r>
+            <a:endParaRPr lang="en-US" dirty="0"/>
+          </a:p>
+          <a:p>
+            <a:r>
               <a:rPr lang="en-US" dirty="0"/>
-              <a:t>Components</a:t>
-            </a:r>
-          </a:p>
-          <a:p>
+              <a:t>Proxy sitting if needed </a:t>
+            </a:r>
+          </a:p>
+          <a:p>
+            <a:pPr marL="0" indent="0">
+              <a:buNone/>
+            </a:pPr>
             <a:r>
               <a:rPr lang="en-US" dirty="0"/>
-              <a:t>New templating syntax</a:t>
-            </a:r>
-          </a:p>
-          <a:p>
+              <a:t>	</a:t>
+            </a:r>
+            <a:r>
+              <a:rPr lang="en-US" dirty="0" err="1">
+                <a:highlight>
+                  <a:srgbClr val="FFFF00"/>
+                </a:highlight>
+              </a:rPr>
+              <a:t>npm</a:t>
+            </a:r>
+            <a:r>
+              <a:rPr lang="en-US" dirty="0">
+                <a:highlight>
+                  <a:srgbClr val="FFFF00"/>
+                </a:highlight>
+              </a:rPr>
+              <a:t> config set proxy http://proxy.company.com:port</a:t>
+            </a:r>
+          </a:p>
+          <a:p>
+            <a:pPr marL="0" indent="0">
+              <a:buNone/>
+            </a:pPr>
             <a:r>
               <a:rPr lang="en-US" dirty="0"/>
-              <a:t>Unidirectional data flow</a:t>
+              <a:t>	</a:t>
+            </a:r>
+            <a:r>
+              <a:rPr lang="en-US" dirty="0" err="1">
+                <a:highlight>
+                  <a:srgbClr val="FFFF00"/>
+                </a:highlight>
+              </a:rPr>
+              <a:t>npm</a:t>
+            </a:r>
+            <a:r>
+              <a:rPr lang="en-US" dirty="0">
+                <a:highlight>
+                  <a:srgbClr val="FFFF00"/>
+                </a:highlight>
+              </a:rPr>
+              <a:t> config set https-proxy http://proxy.company.com: port</a:t>
             </a:r>
           </a:p>
           <a:p>
             <a:r>
               <a:rPr lang="en-US" dirty="0"/>
-              <a:t>New component router</a:t>
-            </a:r>
-          </a:p>
-          <a:p>
+              <a:t>Install TypeScript</a:t>
+            </a:r>
+          </a:p>
+          <a:p>
+            <a:pPr marL="0" indent="0">
+              <a:buNone/>
+            </a:pPr>
             <a:r>
               <a:rPr lang="en-US" dirty="0"/>
-              <a:t>Observables</a:t>
-            </a:r>
-          </a:p>
-          <a:p>
-            <a:r>
-              <a:rPr lang="en-US" dirty="0"/>
-              <a:t>New languages for development ( TypeScript, …)</a:t>
-            </a:r>
-          </a:p>
-          <a:p>
-            <a:r>
-              <a:rPr lang="de-DE" dirty="0"/>
-              <a:t> and more...</a:t>
-            </a:r>
+              <a:t> 	</a:t>
+            </a:r>
+            <a:r>
+              <a:rPr lang="en-US" dirty="0" err="1">
+                <a:highlight>
+                  <a:srgbClr val="FFFF00"/>
+                </a:highlight>
+              </a:rPr>
+              <a:t>npm</a:t>
+            </a:r>
+            <a:r>
+              <a:rPr lang="en-US" dirty="0">
+                <a:highlight>
+                  <a:srgbClr val="FFFF00"/>
+                </a:highlight>
+              </a:rPr>
+              <a:t> install –g typescript</a:t>
+            </a:r>
+          </a:p>
+          <a:p>
+            <a:pPr marL="0" indent="0">
+              <a:buNone/>
+            </a:pPr>
+            <a:endParaRPr lang="en-US" dirty="0"/>
+          </a:p>
+          <a:p>
+            <a:pPr marL="0" indent="0">
+              <a:buNone/>
+            </a:pPr>
             <a:endParaRPr lang="en-DE" dirty="0"/>
           </a:p>
         </p:txBody>
@@ -5329,7 +5086,7 @@
     </p:spTree>
     <p:extLst>
       <p:ext uri="{BB962C8B-B14F-4D97-AF65-F5344CB8AC3E}">
-        <p14:creationId xmlns:p14="http://schemas.microsoft.com/office/powerpoint/2010/main" val="2947151928"/>
+        <p14:creationId xmlns:p14="http://schemas.microsoft.com/office/powerpoint/2010/main" val="3293329326"/>
       </p:ext>
     </p:extLst>
   </p:cSld>
@@ -5361,7 +5118,7 @@
           <p:cNvPr id="2" name="Title 1">
             <a:extLst>
               <a:ext uri="{FF2B5EF4-FFF2-40B4-BE49-F238E27FC236}">
-                <a16:creationId xmlns:a16="http://schemas.microsoft.com/office/drawing/2014/main" id="{0277C4DF-1A8A-41AF-9BFE-648D07717AA9}"/>
+                <a16:creationId xmlns:a16="http://schemas.microsoft.com/office/drawing/2014/main" id="{5F849CD4-F6E8-42D1-822C-CA48AE633003}"/>
               </a:ext>
             </a:extLst>
           </p:cNvPr>
@@ -5379,7 +5136,7 @@
           <a:p>
             <a:r>
               <a:rPr lang="de-DE" dirty="0"/>
-              <a:t>Hello World</a:t>
+              <a:t>Setup Enviroments</a:t>
             </a:r>
             <a:endParaRPr lang="en-DE" dirty="0"/>
           </a:p>
@@ -5390,7 +5147,7 @@
           <p:cNvPr id="3" name="Content Placeholder 2">
             <a:extLst>
               <a:ext uri="{FF2B5EF4-FFF2-40B4-BE49-F238E27FC236}">
-                <a16:creationId xmlns:a16="http://schemas.microsoft.com/office/drawing/2014/main" id="{85C1780D-1289-4FAC-B0DB-40609240F6DB}"/>
+                <a16:creationId xmlns:a16="http://schemas.microsoft.com/office/drawing/2014/main" id="{BAC95DC9-1482-40DC-977B-B950DFAE8E4B}"/>
               </a:ext>
             </a:extLst>
           </p:cNvPr>
@@ -5403,48 +5160,114 @@
         </p:nvSpPr>
         <p:spPr/>
         <p:txBody>
-          <a:bodyPr/>
+          <a:bodyPr>
+            <a:normAutofit/>
+          </a:bodyPr>
           <a:lstStyle/>
           <a:p>
             <a:r>
               <a:rPr lang="de-DE" dirty="0"/>
-              <a:t>Live Demo </a:t>
-            </a:r>
-          </a:p>
-          <a:p>
-            <a:pPr lvl="1"/>
-            <a:r>
-              <a:rPr lang="de-DE" dirty="0"/>
-              <a:t>Set up Enviroment</a:t>
-            </a:r>
-          </a:p>
-          <a:p>
-            <a:pPr lvl="2"/>
-            <a:r>
-              <a:rPr lang="de-DE" dirty="0"/>
-              <a:t>Node.js</a:t>
-            </a:r>
-          </a:p>
-          <a:p>
-            <a:pPr lvl="2"/>
-            <a:r>
-              <a:rPr lang="de-DE" dirty="0"/>
-              <a:t>TypeScript</a:t>
-            </a:r>
-          </a:p>
-          <a:p>
-            <a:pPr lvl="2"/>
-            <a:r>
-              <a:rPr lang="de-DE" dirty="0"/>
-              <a:t>Angular CLI</a:t>
-            </a:r>
-          </a:p>
-          <a:p>
-            <a:pPr lvl="1"/>
-            <a:r>
-              <a:rPr lang="de-DE" dirty="0"/>
-              <a:t>Hello Worlds</a:t>
-            </a:r>
+              <a:t>Install angluar CLI tool</a:t>
+            </a:r>
+          </a:p>
+          <a:p>
+            <a:pPr marL="0" indent="0">
+              <a:buNone/>
+            </a:pPr>
+            <a:r>
+              <a:rPr lang="en-US" dirty="0"/>
+              <a:t>	</a:t>
+            </a:r>
+            <a:r>
+              <a:rPr lang="en-US" dirty="0" err="1">
+                <a:highlight>
+                  <a:srgbClr val="FFFF00"/>
+                </a:highlight>
+              </a:rPr>
+              <a:t>npm</a:t>
+            </a:r>
+            <a:r>
+              <a:rPr lang="en-US" dirty="0">
+                <a:highlight>
+                  <a:srgbClr val="FFFF00"/>
+                </a:highlight>
+              </a:rPr>
+              <a:t> install -g @angular/cli</a:t>
+            </a:r>
+          </a:p>
+          <a:p>
+            <a:r>
+              <a:rPr lang="en-US" dirty="0"/>
+              <a:t>Go the suitable directory and create new projects</a:t>
+            </a:r>
+          </a:p>
+          <a:p>
+            <a:pPr marL="0" indent="0">
+              <a:buNone/>
+            </a:pPr>
+            <a:r>
+              <a:rPr lang="en-US" dirty="0"/>
+              <a:t>	</a:t>
+            </a:r>
+            <a:r>
+              <a:rPr lang="en-US" dirty="0">
+                <a:highlight>
+                  <a:srgbClr val="FFFF00"/>
+                </a:highlight>
+              </a:rPr>
+              <a:t>ng new book-store-project</a:t>
+            </a:r>
+          </a:p>
+          <a:p>
+            <a:r>
+              <a:rPr lang="en-US" dirty="0"/>
+              <a:t>Run the server</a:t>
+            </a:r>
+          </a:p>
+          <a:p>
+            <a:pPr marL="0" indent="0">
+              <a:buNone/>
+            </a:pPr>
+            <a:r>
+              <a:rPr lang="en-US" dirty="0"/>
+              <a:t>	</a:t>
+            </a:r>
+            <a:r>
+              <a:rPr lang="en-US" dirty="0">
+                <a:highlight>
+                  <a:srgbClr val="FFFF00"/>
+                </a:highlight>
+              </a:rPr>
+              <a:t>cd first-ng-cli-project</a:t>
+            </a:r>
+          </a:p>
+          <a:p>
+            <a:pPr marL="0" indent="0">
+              <a:buNone/>
+            </a:pPr>
+            <a:r>
+              <a:rPr lang="en-US" dirty="0"/>
+              <a:t>	</a:t>
+            </a:r>
+            <a:r>
+              <a:rPr lang="en-US" dirty="0">
+                <a:highlight>
+                  <a:srgbClr val="FFFF00"/>
+                </a:highlight>
+              </a:rPr>
+              <a:t>ng serve</a:t>
+            </a:r>
+          </a:p>
+          <a:p>
+            <a:pPr marL="0" indent="0">
+              <a:buNone/>
+            </a:pPr>
+            <a:endParaRPr lang="en-US" dirty="0"/>
+          </a:p>
+          <a:p>
+            <a:pPr marL="0" indent="0">
+              <a:buNone/>
+            </a:pPr>
             <a:endParaRPr lang="en-DE" dirty="0"/>
           </a:p>
         </p:txBody>
@@ -5452,7 +5275,7 @@
     </p:spTree>
     <p:extLst>
       <p:ext uri="{BB962C8B-B14F-4D97-AF65-F5344CB8AC3E}">
-        <p14:creationId xmlns:p14="http://schemas.microsoft.com/office/powerpoint/2010/main" val="1939353323"/>
+        <p14:creationId xmlns:p14="http://schemas.microsoft.com/office/powerpoint/2010/main" val="551222701"/>
       </p:ext>
     </p:extLst>
   </p:cSld>
@@ -5502,7 +5325,7 @@
           <a:p>
             <a:r>
               <a:rPr lang="de-DE" dirty="0"/>
-              <a:t>Setup Enviroments</a:t>
+              <a:t>Enide installation</a:t>
             </a:r>
             <a:endParaRPr lang="en-DE" dirty="0"/>
           </a:p>
@@ -5532,114 +5355,19 @@
           <a:lstStyle/>
           <a:p>
             <a:r>
-              <a:rPr lang="de-DE" dirty="0"/>
-              <a:t>Download Node.js as descripe in </a:t>
-            </a:r>
+              <a:rPr lang="de-DE"/>
+              <a:t>Install ENIDE</a:t>
+            </a:r>
+            <a:endParaRPr lang="de-DE" dirty="0"/>
           </a:p>
           <a:p>
             <a:pPr marL="0" indent="0">
               <a:buNone/>
             </a:pPr>
             <a:r>
-              <a:rPr lang="en-US" dirty="0">
-                <a:hlinkClick r:id="rId2"/>
-              </a:rPr>
-              <a:t>	https://nodejs.org/en/download/</a:t>
-            </a:r>
-            <a:endParaRPr lang="en-US" dirty="0"/>
-          </a:p>
-          <a:p>
-            <a:r>
               <a:rPr lang="en-US" dirty="0"/>
-              <a:t>Proxy sitting if needed </a:t>
-            </a:r>
-          </a:p>
-          <a:p>
-            <a:pPr marL="0" indent="0">
-              <a:buNone/>
-            </a:pPr>
-            <a:r>
-              <a:rPr lang="en-US" dirty="0"/>
-              <a:t>	</a:t>
-            </a:r>
-            <a:r>
-              <a:rPr lang="en-US" dirty="0" err="1">
-                <a:highlight>
-                  <a:srgbClr val="FFFF00"/>
-                </a:highlight>
-              </a:rPr>
-              <a:t>npm</a:t>
-            </a:r>
-            <a:r>
-              <a:rPr lang="en-US" dirty="0">
-                <a:highlight>
-                  <a:srgbClr val="FFFF00"/>
-                </a:highlight>
-              </a:rPr>
-              <a:t> config set proxy http://proxy.company.com:port</a:t>
-            </a:r>
-          </a:p>
-          <a:p>
-            <a:pPr marL="0" indent="0">
-              <a:buNone/>
-            </a:pPr>
-            <a:r>
-              <a:rPr lang="en-US" dirty="0"/>
-              <a:t>	</a:t>
-            </a:r>
-            <a:r>
-              <a:rPr lang="en-US" dirty="0" err="1">
-                <a:highlight>
-                  <a:srgbClr val="FFFF00"/>
-                </a:highlight>
-              </a:rPr>
-              <a:t>npm</a:t>
-            </a:r>
-            <a:r>
-              <a:rPr lang="en-US" dirty="0">
-                <a:highlight>
-                  <a:srgbClr val="FFFF00"/>
-                </a:highlight>
-              </a:rPr>
-              <a:t> config set https-proxy http://proxy.company.com: port</a:t>
-            </a:r>
-          </a:p>
-          <a:p>
-            <a:r>
-              <a:rPr lang="en-US" dirty="0"/>
-              <a:t>Install TypeScript</a:t>
-            </a:r>
-          </a:p>
-          <a:p>
-            <a:pPr marL="0" indent="0">
-              <a:buNone/>
-            </a:pPr>
-            <a:r>
-              <a:rPr lang="en-US" dirty="0"/>
-              <a:t> 	</a:t>
-            </a:r>
-            <a:r>
-              <a:rPr lang="en-US" dirty="0" err="1">
-                <a:highlight>
-                  <a:srgbClr val="FFFF00"/>
-                </a:highlight>
-              </a:rPr>
-              <a:t>npm</a:t>
-            </a:r>
-            <a:r>
-              <a:rPr lang="en-US" dirty="0">
-                <a:highlight>
-                  <a:srgbClr val="FFFF00"/>
-                </a:highlight>
-              </a:rPr>
-              <a:t> install –g typescript</a:t>
-            </a:r>
-          </a:p>
-          <a:p>
-            <a:pPr marL="0" indent="0">
-              <a:buNone/>
-            </a:pPr>
-            <a:endParaRPr lang="en-US" dirty="0"/>
+              <a:t>	 http://www.nodeclipse.org/updates/</a:t>
+            </a:r>
           </a:p>
           <a:p>
             <a:pPr marL="0" indent="0">
@@ -5652,7 +5380,7 @@
     </p:spTree>
     <p:extLst>
       <p:ext uri="{BB962C8B-B14F-4D97-AF65-F5344CB8AC3E}">
-        <p14:creationId xmlns:p14="http://schemas.microsoft.com/office/powerpoint/2010/main" val="3293329326"/>
+        <p14:creationId xmlns:p14="http://schemas.microsoft.com/office/powerpoint/2010/main" val="1759595581"/>
       </p:ext>
     </p:extLst>
   </p:cSld>
